--- a/docs/week-15-hashing-trie/ce205-week-15-hashing-trie.md_word.pptx
+++ b/docs/week-15-hashing-trie/ce205-week-15-hashing-trie.md_word.pptx
@@ -9,6 +9,11 @@
     <p:sldId id="257" r:id="rId3"/>
     <p:sldId id="258" r:id="rId4"/>
     <p:sldId id="259" r:id="rId5"/>
+    <p:sldId id="260" r:id="rId6"/>
+    <p:sldId id="261" r:id="rId7"/>
+    <p:sldId id="262" r:id="rId8"/>
+    <p:sldId id="263" r:id="rId9"/>
+    <p:sldId id="264" r:id="rId10"/>
   </p:sldIdLst>
   <p:sldSz cx="9144000" cy="6858000" type="screen4x3"/>
   <p:notesSz cx="6858000" cy="9144000"/>
@@ -3407,6 +3412,502 @@
           </a:p>
         </p:txBody>
       </p:sp>
+    </p:spTree>
+  </p:cSld>
+</p:sld>
+</file>
+
+<file path=ppt/slides/slide5.xml><?xml version="1.0" encoding="utf-8"?>
+<p:sld xmlns:a="http://schemas.openxmlformats.org/drawingml/2006/main" xmlns:r="http://schemas.openxmlformats.org/officeDocument/2006/relationships" xmlns:p="http://schemas.openxmlformats.org/presentationml/2006/main">
+  <p:cSld>
+    <p:spTree>
+      <p:nvGrpSpPr>
+        <p:cNvPr id="1" name=""/>
+        <p:cNvGrpSpPr/>
+        <p:nvPr/>
+      </p:nvGrpSpPr>
+      <p:grpSpPr>
+        <a:xfrm>
+          <a:off x="0" y="0"/>
+          <a:ext cx="0" cy="0"/>
+          <a:chOff x="0" y="0"/>
+          <a:chExt cx="0" cy="0"/>
+        </a:xfrm>
+      </p:grpSpPr>
+      <p:sp>
+        <p:nvSpPr>
+          <p:cNvPr id="2" name="Title 1"/>
+          <p:cNvSpPr>
+            <a:spLocks noGrp="1"/>
+          </p:cNvSpPr>
+          <p:nvPr>
+            <p:ph type="title"/>
+          </p:nvPr>
+        </p:nvSpPr>
+        <p:spPr/>
+        <p:txBody>
+          <a:bodyPr/>
+          <a:lstStyle/>
+          <a:p>
+            <a:pPr lvl="0" indent="0" marL="0">
+              <a:buNone/>
+            </a:pPr>
+            <a:r>
+              <a:rPr/>
+              <a:t>Outline</a:t>
+            </a:r>
+          </a:p>
+        </p:txBody>
+      </p:sp>
+      <p:sp>
+        <p:nvSpPr>
+          <p:cNvPr id="3" name="Content Placeholder 2"/>
+          <p:cNvSpPr>
+            <a:spLocks noGrp="1"/>
+          </p:cNvSpPr>
+          <p:nvPr>
+            <p:ph idx="1"/>
+          </p:nvPr>
+        </p:nvSpPr>
+        <p:spPr/>
+        <p:txBody>
+          <a:bodyPr/>
+          <a:lstStyle/>
+          <a:p>
+            <a:pPr lvl="0"/>
+            <a:r>
+              <a:rPr/>
+              <a:t>Hashing Techniques for Expandable Files</a:t>
+            </a:r>
+          </a:p>
+          <a:p>
+            <a:pPr lvl="1"/>
+            <a:r>
+              <a:rPr/>
+              <a:t>Extendible Hashing</a:t>
+            </a:r>
+          </a:p>
+          <a:p>
+            <a:pPr lvl="1"/>
+            <a:r>
+              <a:rPr/>
+              <a:t>Dynamic Hashing</a:t>
+            </a:r>
+          </a:p>
+          <a:p>
+            <a:pPr lvl="1"/>
+            <a:r>
+              <a:rPr/>
+              <a:t>Linear Hashing</a:t>
+            </a:r>
+          </a:p>
+        </p:txBody>
+      </p:sp>
+    </p:spTree>
+  </p:cSld>
+</p:sld>
+</file>
+
+<file path=ppt/slides/slide6.xml><?xml version="1.0" encoding="utf-8"?>
+<p:sld xmlns:a="http://schemas.openxmlformats.org/drawingml/2006/main" xmlns:r="http://schemas.openxmlformats.org/officeDocument/2006/relationships" xmlns:p="http://schemas.openxmlformats.org/presentationml/2006/main">
+  <p:cSld>
+    <p:spTree>
+      <p:nvGrpSpPr>
+        <p:cNvPr id="1" name=""/>
+        <p:cNvGrpSpPr/>
+        <p:nvPr/>
+      </p:nvGrpSpPr>
+      <p:grpSpPr>
+        <a:xfrm>
+          <a:off x="0" y="0"/>
+          <a:ext cx="0" cy="0"/>
+          <a:chOff x="0" y="0"/>
+          <a:chExt cx="0" cy="0"/>
+        </a:xfrm>
+      </p:grpSpPr>
+      <p:sp>
+        <p:nvSpPr>
+          <p:cNvPr id="2" name="Title 1"/>
+          <p:cNvSpPr>
+            <a:spLocks noGrp="1"/>
+          </p:cNvSpPr>
+          <p:nvPr>
+            <p:ph type="title"/>
+          </p:nvPr>
+        </p:nvSpPr>
+        <p:spPr/>
+        <p:txBody>
+          <a:bodyPr/>
+          <a:lstStyle/>
+          <a:p>
+            <a:pPr lvl="0" indent="0" marL="0">
+              <a:buNone/>
+            </a:pPr>
+            <a:r>
+              <a:rPr/>
+              <a:t>Outline</a:t>
+            </a:r>
+          </a:p>
+        </p:txBody>
+      </p:sp>
+      <p:sp>
+        <p:nvSpPr>
+          <p:cNvPr id="3" name="Content Placeholder 2"/>
+          <p:cNvSpPr>
+            <a:spLocks noGrp="1"/>
+          </p:cNvSpPr>
+          <p:nvPr>
+            <p:ph idx="1"/>
+          </p:nvPr>
+        </p:nvSpPr>
+        <p:spPr/>
+        <p:txBody>
+          <a:bodyPr/>
+          <a:lstStyle/>
+          <a:p>
+            <a:pPr lvl="0"/>
+            <a:r>
+              <a:rPr/>
+              <a:t>Other Tree Structures</a:t>
+            </a:r>
+          </a:p>
+          <a:p>
+            <a:pPr lvl="1"/>
+            <a:r>
+              <a:rPr/>
+              <a:t>Tries</a:t>
+            </a:r>
+          </a:p>
+          <a:p>
+            <a:pPr lvl="1"/>
+            <a:r>
+              <a:rPr/>
+              <a:t>Approximate String Matching</a:t>
+            </a:r>
+          </a:p>
+          <a:p>
+            <a:pPr lvl="1"/>
+            <a:r>
+              <a:rPr/>
+              <a:t>Trie Hashing</a:t>
+            </a:r>
+          </a:p>
+          <a:p>
+            <a:pPr lvl="1"/>
+            <a:r>
+              <a:rPr/>
+              <a:t>PATRICIA Trees</a:t>
+            </a:r>
+          </a:p>
+          <a:p>
+            <a:pPr lvl="1"/>
+            <a:r>
+              <a:rPr/>
+              <a:t>Digital Search Trees</a:t>
+            </a:r>
+          </a:p>
+        </p:txBody>
+      </p:sp>
+    </p:spTree>
+  </p:cSld>
+</p:sld>
+</file>
+
+<file path=ppt/slides/slide7.xml><?xml version="1.0" encoding="utf-8"?>
+<p:sld xmlns:a="http://schemas.openxmlformats.org/drawingml/2006/main" xmlns:r="http://schemas.openxmlformats.org/officeDocument/2006/relationships" xmlns:p="http://schemas.openxmlformats.org/presentationml/2006/main">
+  <p:cSld>
+    <p:spTree>
+      <p:nvGrpSpPr>
+        <p:cNvPr id="1" name=""/>
+        <p:cNvGrpSpPr/>
+        <p:nvPr/>
+      </p:nvGrpSpPr>
+      <p:grpSpPr>
+        <a:xfrm>
+          <a:off x="0" y="0"/>
+          <a:ext cx="0" cy="0"/>
+          <a:chOff x="0" y="0"/>
+          <a:chExt cx="0" cy="0"/>
+        </a:xfrm>
+      </p:grpSpPr>
+      <p:sp>
+        <p:nvSpPr>
+          <p:cNvPr id="2" name="Title 1"/>
+          <p:cNvSpPr>
+            <a:spLocks noGrp="1"/>
+          </p:cNvSpPr>
+          <p:nvPr>
+            <p:ph type="title"/>
+          </p:nvPr>
+        </p:nvSpPr>
+        <p:spPr/>
+        <p:txBody>
+          <a:bodyPr/>
+          <a:lstStyle/>
+          <a:p>
+            <a:pPr lvl="0" indent="0" marL="0">
+              <a:buNone/>
+            </a:pPr>
+            <a:r>
+              <a:rPr/>
+              <a:t>Outline</a:t>
+            </a:r>
+          </a:p>
+        </p:txBody>
+      </p:sp>
+      <p:sp>
+        <p:nvSpPr>
+          <p:cNvPr id="3" name="Content Placeholder 2"/>
+          <p:cNvSpPr>
+            <a:spLocks noGrp="1"/>
+          </p:cNvSpPr>
+          <p:nvPr>
+            <p:ph idx="1"/>
+          </p:nvPr>
+        </p:nvSpPr>
+        <p:spPr/>
+        <p:txBody>
+          <a:bodyPr/>
+          <a:lstStyle/>
+          <a:p>
+            <a:pPr lvl="0"/>
+            <a:r>
+              <a:rPr/>
+              <a:t>Seconday Key Retrieval (2)</a:t>
+            </a:r>
+          </a:p>
+          <a:p>
+            <a:pPr lvl="1"/>
+            <a:r>
+              <a:rPr/>
+              <a:t>K-d trees</a:t>
+            </a:r>
+          </a:p>
+          <a:p>
+            <a:pPr lvl="1"/>
+            <a:r>
+              <a:rPr/>
+              <a:t>Grid Files</a:t>
+            </a:r>
+          </a:p>
+        </p:txBody>
+      </p:sp>
+    </p:spTree>
+  </p:cSld>
+</p:sld>
+</file>
+
+<file path=ppt/slides/slide8.xml><?xml version="1.0" encoding="utf-8"?>
+<p:sld xmlns:a="http://schemas.openxmlformats.org/drawingml/2006/main" xmlns:r="http://schemas.openxmlformats.org/officeDocument/2006/relationships" xmlns:p="http://schemas.openxmlformats.org/presentationml/2006/main">
+  <p:cSld>
+    <p:spTree>
+      <p:nvGrpSpPr>
+        <p:cNvPr id="1" name=""/>
+        <p:cNvGrpSpPr/>
+        <p:nvPr/>
+      </p:nvGrpSpPr>
+      <p:grpSpPr>
+        <a:xfrm>
+          <a:off x="0" y="0"/>
+          <a:ext cx="0" cy="0"/>
+          <a:chOff x="0" y="0"/>
+          <a:chExt cx="0" cy="0"/>
+        </a:xfrm>
+      </p:grpSpPr>
+      <p:sp>
+        <p:nvSpPr>
+          <p:cNvPr id="2" name="Title 1"/>
+          <p:cNvSpPr>
+            <a:spLocks noGrp="1"/>
+          </p:cNvSpPr>
+          <p:nvPr>
+            <p:ph type="title"/>
+          </p:nvPr>
+        </p:nvSpPr>
+        <p:spPr/>
+        <p:txBody>
+          <a:bodyPr/>
+          <a:lstStyle/>
+          <a:p>
+            <a:pPr lvl="0" indent="0" marL="0">
+              <a:buNone/>
+            </a:pPr>
+            <a:r>
+              <a:rPr/>
+              <a:t>Outline</a:t>
+            </a:r>
+          </a:p>
+        </p:txBody>
+      </p:sp>
+      <p:sp>
+        <p:nvSpPr>
+          <p:cNvPr id="3" name="Content Placeholder 2"/>
+          <p:cNvSpPr>
+            <a:spLocks noGrp="1"/>
+          </p:cNvSpPr>
+          <p:nvPr>
+            <p:ph idx="1"/>
+          </p:nvPr>
+        </p:nvSpPr>
+        <p:spPr/>
+        <p:txBody>
+          <a:bodyPr/>
+          <a:lstStyle/>
+          <a:p>
+            <a:pPr lvl="0"/>
+            <a:r>
+              <a:rPr/>
+              <a:t>File Sorting</a:t>
+            </a:r>
+          </a:p>
+          <a:p>
+            <a:pPr lvl="1"/>
+            <a:r>
+              <a:rPr/>
+              <a:t>Insertion Sort</a:t>
+            </a:r>
+          </a:p>
+          <a:p>
+            <a:pPr lvl="1"/>
+            <a:r>
+              <a:rPr/>
+              <a:t>Quicksort</a:t>
+            </a:r>
+          </a:p>
+          <a:p>
+            <a:pPr lvl="1"/>
+            <a:r>
+              <a:rPr/>
+              <a:t>Heapsort</a:t>
+            </a:r>
+          </a:p>
+          <a:p>
+            <a:pPr lvl="1"/>
+            <a:r>
+              <a:rPr/>
+              <a:t>External Sorting</a:t>
+            </a:r>
+          </a:p>
+          <a:p>
+            <a:pPr lvl="1"/>
+            <a:r>
+              <a:rPr/>
+              <a:t>Sorting by Merging</a:t>
+            </a:r>
+          </a:p>
+          <a:p>
+            <a:pPr lvl="1"/>
+            <a:r>
+              <a:rPr/>
+              <a:t>Disk Sort</a:t>
+            </a:r>
+          </a:p>
+        </p:txBody>
+      </p:sp>
+    </p:spTree>
+  </p:cSld>
+</p:sld>
+</file>
+
+<file path=ppt/slides/slide9.xml><?xml version="1.0" encoding="utf-8"?>
+<p:sld xmlns:a="http://schemas.openxmlformats.org/drawingml/2006/main" xmlns:r="http://schemas.openxmlformats.org/officeDocument/2006/relationships" xmlns:p="http://schemas.openxmlformats.org/presentationml/2006/main">
+  <p:cSld>
+    <p:spTree>
+      <p:nvGrpSpPr>
+        <p:cNvPr id="1" name=""/>
+        <p:cNvGrpSpPr/>
+        <p:nvPr/>
+      </p:nvGrpSpPr>
+      <p:grpSpPr>
+        <a:xfrm>
+          <a:off x="0" y="0"/>
+          <a:ext cx="0" cy="0"/>
+          <a:chOff x="0" y="0"/>
+          <a:chExt cx="0" cy="0"/>
+        </a:xfrm>
+      </p:grpSpPr>
+      <mc:AlternateContent xmlns:mc="http://schemas.openxmlformats.org/markup-compatibility/2006">
+        <mc:Choice xmlns:a14="http://schemas.microsoft.com/office/drawing/2010/main" Requires="a14">
+          <p:sp>
+            <p:nvSpPr>
+              <p:cNvPr id="3" name="Content Placeholder 2"/>
+              <p:cNvSpPr>
+                <a:spLocks noGrp="1"/>
+              </p:cNvSpPr>
+              <p:nvPr>
+                <p:ph idx="1"/>
+              </p:nvPr>
+            </p:nvSpPr>
+            <p:spPr/>
+            <p:txBody>
+              <a:bodyPr/>
+              <a:lstStyle/>
+              <a:p>
+                <a:pPr lvl="0" indent="0" marL="0">
+                  <a:buNone/>
+                </a:pPr>
+                <a14:m>
+                  <m:oMathPara xmlns:m="http://schemas.openxmlformats.org/officeDocument/2006/math">
+                    <m:oMathParaPr>
+                      <m:jc m:val="center"/>
+                    </m:oMathParaPr>
+                    <m:oMath>
+                      <m:r>
+                        <m:t>E</m:t>
+                      </m:r>
+                      <m:r>
+                        <m:t>n</m:t>
+                      </m:r>
+                      <m:r>
+                        <m:t>d</m:t>
+                      </m:r>
+                      <m:r>
+                        <m:rPr>
+                          <m:sty m:val="p"/>
+                        </m:rPr>
+                        <m:t>−</m:t>
+                      </m:r>
+                      <m:r>
+                        <m:t>O</m:t>
+                      </m:r>
+                      <m:r>
+                        <m:t>f</m:t>
+                      </m:r>
+                      <m:r>
+                        <m:rPr>
+                          <m:sty m:val="p"/>
+                        </m:rPr>
+                        <m:t>−</m:t>
+                      </m:r>
+                      <m:r>
+                        <m:t>W</m:t>
+                      </m:r>
+                      <m:r>
+                        <m:t>e</m:t>
+                      </m:r>
+                      <m:r>
+                        <m:t>e</m:t>
+                      </m:r>
+                      <m:r>
+                        <m:t>k</m:t>
+                      </m:r>
+                      <m:r>
+                        <m:rPr>
+                          <m:sty m:val="p"/>
+                        </m:rPr>
+                        <m:t>−</m:t>
+                      </m:r>
+                      <m:r>
+                        <m:t>15</m:t>
+                      </m:r>
+                    </m:oMath>
+                  </m:oMathPara>
+                </a14:m>
+              </a:p>
+            </p:txBody>
+          </p:sp>
+        </mc:Choice>
+      </mc:AlternateContent>
     </p:spTree>
   </p:cSld>
 </p:sld>
